--- a/Misc/DataMining.pptx
+++ b/Misc/DataMining.pptx
@@ -31,6 +31,9 @@
   </p:sldIdLst>
   <p:sldSz cx="12192000" cy="6858000"/>
   <p:notesSz cx="6858000" cy="9144000"/>
+  <p:custDataLst>
+    <p:tags r:id="rId27"/>
+  </p:custDataLst>
   <p:defaultTextStyle>
     <a:defPPr>
       <a:defRPr lang="zh-CN"/>
@@ -6541,7 +6544,7 @@
         <p:spPr>
           <a:xfrm>
             <a:off x="4650105" y="2795270"/>
-            <a:ext cx="2782570" cy="370840"/>
+            <a:ext cx="2782570" cy="650240"/>
           </a:xfrm>
           <a:prstGeom prst="rect">
             <a:avLst/>
@@ -6564,6 +6567,24 @@
                 <a:ea typeface="微软雅黑" panose="020B0503020204020204" charset="-122"/>
               </a:rPr>
               <a:t>df.drop_duplicates(inplace=True)</a:t>
+            </a:r>
+            <a:endParaRPr lang="en-US" altLang="zh-CN" sz="1400" dirty="0" smtClean="0">
+              <a:latin typeface="Arial" panose="020B0604020202020204" pitchFamily="34" charset="0"/>
+              <a:ea typeface="微软雅黑" panose="020B0503020204020204" charset="-122"/>
+            </a:endParaRPr>
+          </a:p>
+          <a:p>
+            <a:pPr>
+              <a:lnSpc>
+                <a:spcPct val="130000"/>
+              </a:lnSpc>
+            </a:pPr>
+            <a:r>
+              <a:rPr lang="en-US" altLang="zh-CN" sz="1400" dirty="0" smtClean="0">
+                <a:latin typeface="Arial" panose="020B0604020202020204" pitchFamily="34" charset="0"/>
+                <a:ea typeface="微软雅黑" panose="020B0503020204020204" charset="-122"/>
+              </a:rPr>
+              <a:t>df.reset_index(drop=True)</a:t>
             </a:r>
             <a:endParaRPr lang="en-US" altLang="zh-CN" sz="1400" dirty="0" smtClean="0">
               <a:latin typeface="Arial" panose="020B0604020202020204" pitchFamily="34" charset="0"/>
@@ -6621,7 +6642,7 @@
         <p:spPr>
           <a:xfrm>
             <a:off x="4611370" y="4026535"/>
-            <a:ext cx="2228215" cy="370840"/>
+            <a:ext cx="2228215" cy="650240"/>
           </a:xfrm>
           <a:prstGeom prst="rect">
             <a:avLst/>
@@ -6644,6 +6665,24 @@
                 <a:ea typeface="微软雅黑" panose="020B0503020204020204" charset="-122"/>
               </a:rPr>
               <a:t>df['col_name'].fillna(value)</a:t>
+            </a:r>
+            <a:endParaRPr lang="en-US" altLang="zh-CN" sz="1400" dirty="0" smtClean="0">
+              <a:latin typeface="Arial" panose="020B0604020202020204" pitchFamily="34" charset="0"/>
+              <a:ea typeface="微软雅黑" panose="020B0503020204020204" charset="-122"/>
+            </a:endParaRPr>
+          </a:p>
+          <a:p>
+            <a:pPr>
+              <a:lnSpc>
+                <a:spcPct val="130000"/>
+              </a:lnSpc>
+            </a:pPr>
+            <a:r>
+              <a:rPr lang="en-US" altLang="zh-CN" sz="1400" dirty="0" smtClean="0">
+                <a:latin typeface="Arial" panose="020B0604020202020204" pitchFamily="34" charset="0"/>
+                <a:ea typeface="微软雅黑" panose="020B0503020204020204" charset="-122"/>
+              </a:rPr>
+              <a:t>df.dropna()</a:t>
             </a:r>
             <a:endParaRPr lang="en-US" altLang="zh-CN" sz="1400" dirty="0" smtClean="0">
               <a:latin typeface="Arial" panose="020B0604020202020204" pitchFamily="34" charset="0"/>
@@ -7855,6 +7894,7 @@
   <p:tag name="KSO_WM_BEAUTIFY_FLAG" val="#wm#"/>
   <p:tag name="KSO_WM_TEMPLATE_CATEGORY" val="custom"/>
   <p:tag name="KSO_WM_TEMPLATE_INDEX" val="160402"/>
+  <p:tag name="KSO_WM_SPECIAL_SOURCE" val="bdnull"/>
 </p:tagLst>
 </file>
 
@@ -7911,6 +7951,7 @@
   <p:tag name="KSO_WM_SLIDE_TYPE" val="text"/>
   <p:tag name="KSO_WM_SLIDE_POSITION" val="52*81"/>
   <p:tag name="KSO_WM_SLIDE_SIZE" val="855*400"/>
+  <p:tag name="KSO_WM_SPECIAL_SOURCE" val="bdnull"/>
 </p:tagLst>
 </file>
 
@@ -7967,6 +8008,7 @@
   <p:tag name="KSO_WM_SLIDE_TYPE" val="text"/>
   <p:tag name="KSO_WM_SLIDE_POSITION" val="52*81"/>
   <p:tag name="KSO_WM_SLIDE_SIZE" val="855*400"/>
+  <p:tag name="KSO_WM_SPECIAL_SOURCE" val="bdnull"/>
 </p:tagLst>
 </file>
 
@@ -8023,6 +8065,7 @@
   <p:tag name="KSO_WM_SLIDE_TYPE" val="text"/>
   <p:tag name="KSO_WM_SLIDE_POSITION" val="142*144"/>
   <p:tag name="KSO_WM_SLIDE_SIZE" val="752*343"/>
+  <p:tag name="KSO_WM_SPECIAL_SOURCE" val="bdnull"/>
 </p:tagLst>
 </file>
 
@@ -8087,6 +8130,7 @@
   <p:tag name="KSO_WM_SLIDE_TYPE" val="text"/>
   <p:tag name="KSO_WM_SLIDE_POSITION" val="66*95"/>
   <p:tag name="KSO_WM_SLIDE_SIZE" val="828*358"/>
+  <p:tag name="KSO_WM_SPECIAL_SOURCE" val="bdnull"/>
 </p:tagLst>
 </file>
 
@@ -8095,6 +8139,7 @@
   <p:tag name="KSO_WM_BEAUTIFY_FLAG" val="#wm#"/>
   <p:tag name="KSO_WM_TEMPLATE_CATEGORY" val="custom"/>
   <p:tag name="KSO_WM_TEMPLATE_INDEX" val="160402"/>
+  <p:tag name="KSO_WM_SPECIAL_SOURCE" val="bdnull"/>
 </p:tagLst>
 </file>
 
@@ -8103,6 +8148,7 @@
   <p:tag name="KSO_WM_BEAUTIFY_FLAG" val="#wm#"/>
   <p:tag name="KSO_WM_TEMPLATE_CATEGORY" val="custom"/>
   <p:tag name="KSO_WM_TEMPLATE_INDEX" val="160402"/>
+  <p:tag name="KSO_WM_SPECIAL_SOURCE" val="bdnull"/>
 </p:tagLst>
 </file>
 
@@ -8111,6 +8157,7 @@
   <p:tag name="KSO_WM_BEAUTIFY_FLAG" val="#wm#"/>
   <p:tag name="KSO_WM_TEMPLATE_CATEGORY" val="custom"/>
   <p:tag name="KSO_WM_TEMPLATE_INDEX" val="160402"/>
+  <p:tag name="KSO_WM_SPECIAL_SOURCE" val="bdnull"/>
 </p:tagLst>
 </file>
 
@@ -8119,6 +8166,7 @@
   <p:tag name="KSO_WM_BEAUTIFY_FLAG" val="#wm#"/>
   <p:tag name="KSO_WM_TEMPLATE_CATEGORY" val="custom"/>
   <p:tag name="KSO_WM_TEMPLATE_INDEX" val="160402"/>
+  <p:tag name="KSO_WM_SPECIAL_SOURCE" val="bdnull"/>
 </p:tagLst>
 </file>
 
@@ -8127,6 +8175,7 @@
   <p:tag name="KSO_WM_BEAUTIFY_FLAG" val="#wm#"/>
   <p:tag name="KSO_WM_TEMPLATE_CATEGORY" val="custom"/>
   <p:tag name="KSO_WM_TEMPLATE_INDEX" val="160402"/>
+  <p:tag name="KSO_WM_SPECIAL_SOURCE" val="bdnull"/>
 </p:tagLst>
 </file>
 
@@ -8135,6 +8184,7 @@
   <p:tag name="KSO_WM_BEAUTIFY_FLAG" val="#wm#"/>
   <p:tag name="KSO_WM_TEMPLATE_CATEGORY" val="custom"/>
   <p:tag name="KSO_WM_TEMPLATE_INDEX" val="160402"/>
+  <p:tag name="KSO_WM_SPECIAL_SOURCE" val="bdnull"/>
 </p:tagLst>
 </file>
 
@@ -8143,6 +8193,7 @@
   <p:tag name="KSO_WM_BEAUTIFY_FLAG" val="#wm#"/>
   <p:tag name="KSO_WM_TEMPLATE_CATEGORY" val="custom"/>
   <p:tag name="KSO_WM_TEMPLATE_INDEX" val="160402"/>
+  <p:tag name="KSO_WM_SPECIAL_SOURCE" val="bdnull"/>
 </p:tagLst>
 </file>
 
@@ -8161,6 +8212,7 @@
   <p:tag name="KSO_WM_BEAUTIFY_FLAG" val="#wm#"/>
   <p:tag name="KSO_WM_TEMPLATE_CATEGORY" val="custom"/>
   <p:tag name="KSO_WM_TEMPLATE_INDEX" val="160402"/>
+  <p:tag name="KSO_WM_SPECIAL_SOURCE" val="bdnull"/>
 </p:tagLst>
 </file>
 
@@ -8169,6 +8221,7 @@
   <p:tag name="KSO_WM_BEAUTIFY_FLAG" val="#wm#"/>
   <p:tag name="KSO_WM_TEMPLATE_CATEGORY" val="custom"/>
   <p:tag name="KSO_WM_TEMPLATE_INDEX" val="160402"/>
+  <p:tag name="KSO_WM_SPECIAL_SOURCE" val="bdnull"/>
 </p:tagLst>
 </file>
 
@@ -8177,6 +8230,7 @@
   <p:tag name="KSO_WM_BEAUTIFY_FLAG" val="#wm#"/>
   <p:tag name="KSO_WM_TEMPLATE_CATEGORY" val="custom"/>
   <p:tag name="KSO_WM_TEMPLATE_INDEX" val="160402"/>
+  <p:tag name="KSO_WM_SPECIAL_SOURCE" val="bdnull"/>
 </p:tagLst>
 </file>
 
@@ -8185,6 +8239,7 @@
   <p:tag name="KSO_WM_BEAUTIFY_FLAG" val="#wm#"/>
   <p:tag name="KSO_WM_TEMPLATE_CATEGORY" val="custom"/>
   <p:tag name="KSO_WM_TEMPLATE_INDEX" val="160402"/>
+  <p:tag name="KSO_WM_SPECIAL_SOURCE" val="bdnull"/>
 </p:tagLst>
 </file>
 
@@ -8193,6 +8248,7 @@
   <p:tag name="KSO_WM_BEAUTIFY_FLAG" val="#wm#"/>
   <p:tag name="KSO_WM_TEMPLATE_CATEGORY" val="custom"/>
   <p:tag name="KSO_WM_TEMPLATE_INDEX" val="160402"/>
+  <p:tag name="KSO_WM_SPECIAL_SOURCE" val="bdnull"/>
 </p:tagLst>
 </file>
 
@@ -8201,6 +8257,13 @@
   <p:tag name="KSO_WM_BEAUTIFY_FLAG" val="#wm#"/>
   <p:tag name="KSO_WM_TEMPLATE_CATEGORY" val="custom"/>
   <p:tag name="KSO_WM_TEMPLATE_INDEX" val="160402"/>
+  <p:tag name="KSO_WM_SPECIAL_SOURCE" val="bdnull"/>
+</p:tagLst>
+</file>
+
+<file path=ppt/tags/tag36.xml><?xml version="1.0" encoding="utf-8"?>
+<p:tagLst xmlns:p="http://schemas.openxmlformats.org/presentationml/2006/main">
+  <p:tag name="KSO_DOCER_TEMPLATE_OPEN_ONCE_MARK" val="1"/>
 </p:tagLst>
 </file>
 
@@ -8257,6 +8320,7 @@
   <p:tag name="KSO_WM_SLIDE_TYPE" val="title"/>
   <p:tag name="KSO_WM_BEAUTIFY_FLAG" val="#wm#"/>
   <p:tag name="KSO_WM_TEMPLATE_THUMBS_INDEX" val="1、3、8、14、18、23、24、25"/>
+  <p:tag name="KSO_WM_SPECIAL_SOURCE" val="bdnull"/>
 </p:tagLst>
 </file>
 
@@ -8313,6 +8377,7 @@
   <p:tag name="KSO_WM_SLIDE_TYPE" val="text"/>
   <p:tag name="KSO_WM_SLIDE_POSITION" val="52*81"/>
   <p:tag name="KSO_WM_SLIDE_SIZE" val="855*400"/>
+  <p:tag name="KSO_WM_SPECIAL_SOURCE" val="bdnull"/>
 </p:tagLst>
 </file>
 
